--- a/presentations/2022-11-Webinars/FHIR-Terminology-Part-2-2022-11-30.pptx
+++ b/presentations/2022-11-Webinars/FHIR-Terminology-Part-2-2022-11-30.pptx
@@ -342,7 +342,7 @@
             <a:fld id="{1BCE7D1B-E2D6-42EC-A46F-6B8D8AB722EA}" type="datetime1">
               <a:rPr lang="en-US" altLang="en-US"/>
               <a:pPr/>
-              <a:t>12/1/22</a:t>
+              <a:t>12/4/22</a:t>
             </a:fld>
             <a:endParaRPr lang="en-US" altLang="en-US"/>
           </a:p>
@@ -573,7 +573,7 @@
             <a:fld id="{60D4D74E-7671-46E5-9A5B-14F31A4C0D2E}" type="datetime1">
               <a:rPr lang="en-US" altLang="en-US"/>
               <a:pPr/>
-              <a:t>12/1/22</a:t>
+              <a:t>12/4/22</a:t>
             </a:fld>
             <a:endParaRPr lang="en-US" altLang="en-US"/>
           </a:p>
@@ -1821,7 +1821,7 @@
           <a:p>
             <a:fld id="{23F303CC-BC6F-44EE-9A09-81F690F71D2E}" type="datetime1">
               <a:rPr lang="en-US" altLang="en-US" smtClean="0"/>
-              <a:t>12/1/22</a:t>
+              <a:t>12/4/22</a:t>
             </a:fld>
             <a:endParaRPr lang="en-US" altLang="en-US" dirty="0"/>
           </a:p>
@@ -9001,7 +9001,7 @@
           <a:p>
             <a:fld id="{7CE3BD8C-C39F-4FFF-9CD5-05E4806DBFF3}" type="datetime1">
               <a:rPr lang="en-US" altLang="en-US" smtClean="0"/>
-              <a:t>12/1/22</a:t>
+              <a:t>12/4/22</a:t>
             </a:fld>
             <a:endParaRPr lang="en-US" altLang="en-US"/>
           </a:p>
@@ -11401,7 +11401,7 @@
               <a:rPr lang="en-US" sz="1800" dirty="0">
                 <a:hlinkClick r:id="rId2"/>
               </a:rPr>
-              <a:t>https://github.com/FHIR/documents/blob/master/presentations/2022-11%20Webinars/HL7%20FHIR%20Terminology/FHIR-Terminology-Part-2-2022-11-30.pptx</a:t>
+              <a:t>https://github.com/FHIR/documents/blob/master/presentations/2022-11-Webinars/FHIR-Terminology-Part-1-2022-11-29.pptx</a:t>
             </a:r>
             <a:endParaRPr lang="en-US" sz="1800" dirty="0"/>
           </a:p>
